--- a/w7/w7-s2-av-slide1.pptx
+++ b/w7/w7-s2-av-slide1.pptx
@@ -2993,11 +2993,14 @@
           <a:p>
             <a:r>
               <a:rPr lang="fr-FR" sz="4000" dirty="0" err="1" smtClean="0"/>
-              <a:t>n</a:t>
-            </a:r>
-            <a:r>
-              <a:rPr lang="fr-FR" sz="4000" smtClean="0"/>
-              <a:t>darray</a:t>
+              <a:t>Ndarray</a:t>
+            </a:r>
+            <a:endParaRPr lang="fr-FR" sz="4000" dirty="0" smtClean="0"/>
+          </a:p>
+          <a:p>
+            <a:r>
+              <a:rPr lang="fr-FR" sz="4000" dirty="0" smtClean="0"/>
+              <a:t>Indexation avancée</a:t>
             </a:r>
             <a:endParaRPr lang="fr-FR" sz="4000" dirty="0" smtClean="0"/>
           </a:p>
@@ -3018,12 +3021,6 @@
               <a:t>Broadcasting</a:t>
             </a:r>
             <a:endParaRPr lang="fr-FR" sz="4000" dirty="0" smtClean="0"/>
-          </a:p>
-          <a:p>
-            <a:r>
-              <a:rPr lang="fr-FR" sz="4000" dirty="0" smtClean="0"/>
-              <a:t>Indexation</a:t>
-            </a:r>
           </a:p>
         </p:txBody>
       </p:sp>

--- a/w7/w7-s2-av-slide1.pptx
+++ b/w7/w7-s2-av-slide1.pptx
@@ -243,7 +243,7 @@
           <a:p>
             <a:fld id="{2D9D616D-B1D5-4DF0-A220-24114155C41E}" type="datetimeFigureOut">
               <a:rPr lang="en-US" smtClean="0"/>
-              <a:t>7/4/2018</a:t>
+              <a:t>7/5/2018</a:t>
             </a:fld>
             <a:endParaRPr lang="en-US"/>
           </a:p>
@@ -413,7 +413,7 @@
           <a:p>
             <a:fld id="{2D9D616D-B1D5-4DF0-A220-24114155C41E}" type="datetimeFigureOut">
               <a:rPr lang="en-US" smtClean="0"/>
-              <a:t>7/4/2018</a:t>
+              <a:t>7/5/2018</a:t>
             </a:fld>
             <a:endParaRPr lang="en-US"/>
           </a:p>
@@ -593,7 +593,7 @@
           <a:p>
             <a:fld id="{2D9D616D-B1D5-4DF0-A220-24114155C41E}" type="datetimeFigureOut">
               <a:rPr lang="en-US" smtClean="0"/>
-              <a:t>7/4/2018</a:t>
+              <a:t>7/5/2018</a:t>
             </a:fld>
             <a:endParaRPr lang="en-US"/>
           </a:p>
@@ -763,7 +763,7 @@
           <a:p>
             <a:fld id="{2D9D616D-B1D5-4DF0-A220-24114155C41E}" type="datetimeFigureOut">
               <a:rPr lang="en-US" smtClean="0"/>
-              <a:t>7/4/2018</a:t>
+              <a:t>7/5/2018</a:t>
             </a:fld>
             <a:endParaRPr lang="en-US"/>
           </a:p>
@@ -1009,7 +1009,7 @@
           <a:p>
             <a:fld id="{2D9D616D-B1D5-4DF0-A220-24114155C41E}" type="datetimeFigureOut">
               <a:rPr lang="en-US" smtClean="0"/>
-              <a:t>7/4/2018</a:t>
+              <a:t>7/5/2018</a:t>
             </a:fld>
             <a:endParaRPr lang="en-US"/>
           </a:p>
@@ -1241,7 +1241,7 @@
           <a:p>
             <a:fld id="{2D9D616D-B1D5-4DF0-A220-24114155C41E}" type="datetimeFigureOut">
               <a:rPr lang="en-US" smtClean="0"/>
-              <a:t>7/4/2018</a:t>
+              <a:t>7/5/2018</a:t>
             </a:fld>
             <a:endParaRPr lang="en-US"/>
           </a:p>
@@ -1608,7 +1608,7 @@
           <a:p>
             <a:fld id="{2D9D616D-B1D5-4DF0-A220-24114155C41E}" type="datetimeFigureOut">
               <a:rPr lang="en-US" smtClean="0"/>
-              <a:t>7/4/2018</a:t>
+              <a:t>7/5/2018</a:t>
             </a:fld>
             <a:endParaRPr lang="en-US"/>
           </a:p>
@@ -1726,7 +1726,7 @@
           <a:p>
             <a:fld id="{2D9D616D-B1D5-4DF0-A220-24114155C41E}" type="datetimeFigureOut">
               <a:rPr lang="en-US" smtClean="0"/>
-              <a:t>7/4/2018</a:t>
+              <a:t>7/5/2018</a:t>
             </a:fld>
             <a:endParaRPr lang="en-US"/>
           </a:p>
@@ -1821,7 +1821,7 @@
           <a:p>
             <a:fld id="{2D9D616D-B1D5-4DF0-A220-24114155C41E}" type="datetimeFigureOut">
               <a:rPr lang="en-US" smtClean="0"/>
-              <a:t>7/4/2018</a:t>
+              <a:t>7/5/2018</a:t>
             </a:fld>
             <a:endParaRPr lang="en-US"/>
           </a:p>
@@ -2098,7 +2098,7 @@
           <a:p>
             <a:fld id="{2D9D616D-B1D5-4DF0-A220-24114155C41E}" type="datetimeFigureOut">
               <a:rPr lang="en-US" smtClean="0"/>
-              <a:t>7/4/2018</a:t>
+              <a:t>7/5/2018</a:t>
             </a:fld>
             <a:endParaRPr lang="en-US"/>
           </a:p>
@@ -2351,7 +2351,7 @@
           <a:p>
             <a:fld id="{2D9D616D-B1D5-4DF0-A220-24114155C41E}" type="datetimeFigureOut">
               <a:rPr lang="en-US" smtClean="0"/>
-              <a:t>7/4/2018</a:t>
+              <a:t>7/5/2018</a:t>
             </a:fld>
             <a:endParaRPr lang="en-US"/>
           </a:p>
@@ -2564,7 +2564,7 @@
           <a:p>
             <a:fld id="{2D9D616D-B1D5-4DF0-A220-24114155C41E}" type="datetimeFigureOut">
               <a:rPr lang="en-US" smtClean="0"/>
-              <a:t>7/4/2018</a:t>
+              <a:t>7/5/2018</a:t>
             </a:fld>
             <a:endParaRPr lang="en-US"/>
           </a:p>
@@ -3002,16 +3002,11 @@
               <a:rPr lang="fr-FR" sz="4000" dirty="0" smtClean="0"/>
               <a:t>Indexation avancée</a:t>
             </a:r>
-            <a:endParaRPr lang="fr-FR" sz="4000" dirty="0" smtClean="0"/>
-          </a:p>
-          <a:p>
-            <a:r>
-              <a:rPr lang="fr-FR" sz="4000" dirty="0" smtClean="0"/>
-              <a:t>Vectorisation/</a:t>
-            </a:r>
-            <a:r>
-              <a:rPr lang="fr-FR" sz="4000" dirty="0" err="1" smtClean="0"/>
-              <a:t>Ufunc</a:t>
+          </a:p>
+          <a:p>
+            <a:r>
+              <a:rPr lang="fr-FR" sz="4000" smtClean="0"/>
+              <a:t>Vectorisation</a:t>
             </a:r>
             <a:endParaRPr lang="fr-FR" sz="4000" dirty="0" smtClean="0"/>
           </a:p>
